--- a/Courses/Software-Sciences/Module-4-Information-Systems/13-Information-System-Testing/13-Information-System-Testing.pptx
+++ b/Courses/Software-Sciences/Module-4-Information-Systems/13-Information-System-Testing/13-Information-System-Testing.pptx
@@ -309,7 +309,7 @@
           <a:p>
             <a:fld id="{4E087215-0C8F-4762-A664-737A353EC9A4}" type="datetimeFigureOut">
               <a:rPr lang="bg-BG" smtClean="0"/>
-              <a:t>13.01.25 г.</a:t>
+              <a:t>4.02.25 г.</a:t>
             </a:fld>
             <a:endParaRPr lang="bg-BG"/>
           </a:p>
@@ -505,7 +505,7 @@
           <a:p>
             <a:fld id="{72D84649-876A-46C9-8472-14CB09C070D8}" type="datetimeFigureOut">
               <a:rPr lang="en-US" smtClean="0"/>
-              <a:t>1/13/25</a:t>
+              <a:t>2/4/25</a:t>
             </a:fld>
             <a:endParaRPr lang="en-US"/>
           </a:p>
@@ -7861,8 +7861,8 @@
         </p:blipFill>
         <p:spPr>
           <a:xfrm>
-            <a:off x="642407" y="3086623"/>
-            <a:ext cx="1757160" cy="788082"/>
+            <a:off x="642407" y="3087467"/>
+            <a:ext cx="1757160" cy="786394"/>
           </a:xfrm>
           <a:prstGeom prst="rect">
             <a:avLst/>
